--- a/Webinar Multiprocessing and threading.pptx
+++ b/Webinar Multiprocessing and threading.pptx
@@ -10,6 +10,14 @@
     <p:sldId id="258" r:id="rId4"/>
     <p:sldId id="259" r:id="rId5"/>
     <p:sldId id="261" r:id="rId6"/>
+    <p:sldId id="263" r:id="rId7"/>
+    <p:sldId id="262" r:id="rId8"/>
+    <p:sldId id="264" r:id="rId9"/>
+    <p:sldId id="266" r:id="rId10"/>
+    <p:sldId id="268" r:id="rId11"/>
+    <p:sldId id="270" r:id="rId12"/>
+    <p:sldId id="269" r:id="rId13"/>
+    <p:sldId id="267" r:id="rId14"/>
   </p:sldIdLst>
   <p:sldSz cx="9144000" cy="6858000" type="screen4x3"/>
   <p:notesSz cx="6858000" cy="9144000"/>
@@ -3105,6 +3113,647 @@
 </p:sld>
 </file>
 
+<file path=ppt/slides/slide10.xml><?xml version="1.0" encoding="utf-8"?>
+<p:sld xmlns:a="http://schemas.openxmlformats.org/drawingml/2006/main" xmlns:r="http://schemas.openxmlformats.org/officeDocument/2006/relationships" xmlns:p="http://schemas.openxmlformats.org/presentationml/2006/main">
+  <p:cSld>
+    <p:spTree>
+      <p:nvGrpSpPr>
+        <p:cNvPr id="1" name=""/>
+        <p:cNvGrpSpPr/>
+        <p:nvPr/>
+      </p:nvGrpSpPr>
+      <p:grpSpPr>
+        <a:xfrm>
+          <a:off x="0" y="0"/>
+          <a:ext cx="0" cy="0"/>
+          <a:chOff x="0" y="0"/>
+          <a:chExt cx="0" cy="0"/>
+        </a:xfrm>
+      </p:grpSpPr>
+      <p:sp>
+        <p:nvSpPr>
+          <p:cNvPr id="2" name="Заголовок 1"/>
+          <p:cNvSpPr>
+            <a:spLocks noGrp="1"/>
+          </p:cNvSpPr>
+          <p:nvPr>
+            <p:ph type="title"/>
+          </p:nvPr>
+        </p:nvSpPr>
+        <p:spPr/>
+        <p:txBody>
+          <a:bodyPr/>
+          <a:lstStyle/>
+          <a:p>
+            <a:r>
+              <a:rPr lang="en-US" dirty="0" err="1" smtClean="0"/>
+              <a:t>async</a:t>
+            </a:r>
+            <a:r>
+              <a:rPr lang="en-US" dirty="0" smtClean="0"/>
+              <a:t> / await</a:t>
+            </a:r>
+            <a:endParaRPr lang="ru-RU" dirty="0"/>
+          </a:p>
+        </p:txBody>
+      </p:sp>
+      <p:sp>
+        <p:nvSpPr>
+          <p:cNvPr id="3" name="Объект 2"/>
+          <p:cNvSpPr>
+            <a:spLocks noGrp="1"/>
+          </p:cNvSpPr>
+          <p:nvPr>
+            <p:ph idx="1"/>
+          </p:nvPr>
+        </p:nvSpPr>
+        <p:spPr>
+          <a:xfrm>
+            <a:off x="3435152" y="1600200"/>
+            <a:ext cx="5251648" cy="4525963"/>
+          </a:xfrm>
+        </p:spPr>
+        <p:txBody>
+          <a:bodyPr>
+            <a:normAutofit/>
+          </a:bodyPr>
+          <a:lstStyle/>
+          <a:p>
+            <a:r>
+              <a:rPr lang="ru-RU" sz="2000" i="1" dirty="0" err="1"/>
+              <a:t>async</a:t>
+            </a:r>
+            <a:r>
+              <a:rPr lang="ru-RU" sz="2000" dirty="0"/>
+              <a:t> говорит </a:t>
+            </a:r>
+            <a:r>
+              <a:rPr lang="en-US" sz="2000" dirty="0" smtClean="0"/>
+              <a:t>Python</a:t>
+            </a:r>
+            <a:r>
+              <a:rPr lang="ru-RU" sz="2000" dirty="0" smtClean="0"/>
+              <a:t>, </a:t>
+            </a:r>
+            <a:r>
+              <a:rPr lang="ru-RU" sz="2000" dirty="0"/>
+              <a:t>что мы пишем не просто функцию, а </a:t>
+            </a:r>
+            <a:r>
+              <a:rPr lang="ru-RU" sz="2000" i="1" dirty="0"/>
+              <a:t>асинхронную</a:t>
+            </a:r>
+            <a:r>
+              <a:rPr lang="ru-RU" sz="2000" dirty="0"/>
+              <a:t> </a:t>
+            </a:r>
+            <a:r>
+              <a:rPr lang="ru-RU" sz="2000" dirty="0" smtClean="0"/>
+              <a:t>функцию</a:t>
+            </a:r>
+            <a:endParaRPr lang="en-US" sz="2000" dirty="0" smtClean="0"/>
+          </a:p>
+          <a:p>
+            <a:endParaRPr lang="en-US" sz="2000" dirty="0"/>
+          </a:p>
+          <a:p>
+            <a:r>
+              <a:rPr lang="ru-RU" sz="2000" i="1" dirty="0" err="1" smtClean="0"/>
+              <a:t>await</a:t>
+            </a:r>
+            <a:r>
+              <a:rPr lang="ru-RU" sz="2000" dirty="0" smtClean="0"/>
+              <a:t> прерывает </a:t>
+            </a:r>
+            <a:r>
+              <a:rPr lang="ru-RU" sz="2000" dirty="0"/>
+              <a:t>исполнение </a:t>
+            </a:r>
+            <a:r>
+              <a:rPr lang="ru-RU" sz="2000" dirty="0" smtClean="0"/>
+              <a:t>функции </a:t>
+            </a:r>
+            <a:r>
+              <a:rPr lang="ru-RU" sz="2000" dirty="0"/>
+              <a:t>и возвращает управление </a:t>
+            </a:r>
+            <a:r>
+              <a:rPr lang="ru-RU" sz="2000" dirty="0" smtClean="0"/>
+              <a:t>наружу</a:t>
+            </a:r>
+            <a:r>
+              <a:rPr lang="ru-RU" sz="2000" dirty="0"/>
+              <a:t>. </a:t>
+            </a:r>
+            <a:r>
+              <a:rPr lang="en-US" sz="2000" dirty="0" smtClean="0"/>
+              <a:t/>
+            </a:r>
+            <a:br>
+              <a:rPr lang="en-US" sz="2000" dirty="0" smtClean="0"/>
+            </a:br>
+            <a:r>
+              <a:rPr lang="ru-RU" sz="2000" dirty="0" err="1" smtClean="0"/>
+              <a:t>Корутина</a:t>
+            </a:r>
+            <a:r>
+              <a:rPr lang="ru-RU" sz="2000" dirty="0" smtClean="0"/>
+              <a:t> будет </a:t>
+            </a:r>
+            <a:r>
+              <a:rPr lang="ru-RU" sz="2000" dirty="0"/>
+              <a:t>продолжать работу с того </a:t>
+            </a:r>
+            <a:r>
+              <a:rPr lang="ru-RU" sz="2000" dirty="0" err="1"/>
+              <a:t>await</a:t>
+            </a:r>
+            <a:r>
+              <a:rPr lang="ru-RU" sz="2000" dirty="0"/>
+              <a:t>, на котором </a:t>
+            </a:r>
+            <a:r>
+              <a:rPr lang="ru-RU" sz="2000" dirty="0" smtClean="0"/>
+              <a:t>прервалась.</a:t>
+            </a:r>
+          </a:p>
+          <a:p>
+            <a:endParaRPr lang="ru-RU" sz="2000" dirty="0"/>
+          </a:p>
+        </p:txBody>
+      </p:sp>
+      <p:pic>
+        <p:nvPicPr>
+          <p:cNvPr id="4099" name="Picture 3"/>
+          <p:cNvPicPr>
+            <a:picLocks noChangeAspect="1" noChangeArrowheads="1"/>
+          </p:cNvPicPr>
+          <p:nvPr/>
+        </p:nvPicPr>
+        <p:blipFill>
+          <a:blip r:embed="rId2">
+            <a:extLst>
+              <a:ext uri="{28A0092B-C50C-407E-A947-70E740481C1C}">
+                <a14:useLocalDpi xmlns:a14="http://schemas.microsoft.com/office/drawing/2010/main" val="0"/>
+              </a:ext>
+            </a:extLst>
+          </a:blip>
+          <a:srcRect/>
+          <a:stretch>
+            <a:fillRect/>
+          </a:stretch>
+        </p:blipFill>
+        <p:spPr bwMode="auto">
+          <a:xfrm>
+            <a:off x="323528" y="2348880"/>
+            <a:ext cx="2895600" cy="3190875"/>
+          </a:xfrm>
+          <a:prstGeom prst="rect">
+            <a:avLst/>
+          </a:prstGeom>
+          <a:noFill/>
+          <a:ln>
+            <a:noFill/>
+          </a:ln>
+          <a:effectLst/>
+          <a:extLst>
+            <a:ext uri="{909E8E84-426E-40DD-AFC4-6F175D3DCCD1}">
+              <a14:hiddenFill xmlns:a14="http://schemas.microsoft.com/office/drawing/2010/main">
+                <a:solidFill>
+                  <a:schemeClr val="accent1"/>
+                </a:solidFill>
+              </a14:hiddenFill>
+            </a:ext>
+            <a:ext uri="{91240B29-F687-4F45-9708-019B960494DF}">
+              <a14:hiddenLine xmlns:a14="http://schemas.microsoft.com/office/drawing/2010/main" w="9525">
+                <a:solidFill>
+                  <a:schemeClr val="tx1"/>
+                </a:solidFill>
+                <a:miter lim="800000"/>
+                <a:headEnd/>
+                <a:tailEnd/>
+              </a14:hiddenLine>
+            </a:ext>
+            <a:ext uri="{AF507438-7753-43E0-B8FC-AC1667EBCBE1}">
+              <a14:hiddenEffects xmlns:a14="http://schemas.microsoft.com/office/drawing/2010/main">
+                <a:effectLst>
+                  <a:outerShdw dist="35921" dir="2700000" algn="ctr" rotWithShape="0">
+                    <a:schemeClr val="bg2"/>
+                  </a:outerShdw>
+                </a:effectLst>
+              </a14:hiddenEffects>
+            </a:ext>
+          </a:extLst>
+        </p:spPr>
+      </p:pic>
+    </p:spTree>
+    <p:extLst>
+      <p:ext uri="{BB962C8B-B14F-4D97-AF65-F5344CB8AC3E}">
+        <p14:creationId xmlns:p14="http://schemas.microsoft.com/office/powerpoint/2010/main" val="639109155"/>
+      </p:ext>
+    </p:extLst>
+  </p:cSld>
+  <p:clrMapOvr>
+    <a:masterClrMapping/>
+  </p:clrMapOvr>
+  <p:timing>
+    <p:tnLst>
+      <p:par>
+        <p:cTn id="1" dur="indefinite" restart="never" nodeType="tmRoot"/>
+      </p:par>
+    </p:tnLst>
+  </p:timing>
+</p:sld>
+</file>
+
+<file path=ppt/slides/slide11.xml><?xml version="1.0" encoding="utf-8"?>
+<p:sld xmlns:a="http://schemas.openxmlformats.org/drawingml/2006/main" xmlns:r="http://schemas.openxmlformats.org/officeDocument/2006/relationships" xmlns:p="http://schemas.openxmlformats.org/presentationml/2006/main">
+  <p:cSld>
+    <p:spTree>
+      <p:nvGrpSpPr>
+        <p:cNvPr id="1" name=""/>
+        <p:cNvGrpSpPr/>
+        <p:nvPr/>
+      </p:nvGrpSpPr>
+      <p:grpSpPr>
+        <a:xfrm>
+          <a:off x="0" y="0"/>
+          <a:ext cx="0" cy="0"/>
+          <a:chOff x="0" y="0"/>
+          <a:chExt cx="0" cy="0"/>
+        </a:xfrm>
+      </p:grpSpPr>
+      <p:sp>
+        <p:nvSpPr>
+          <p:cNvPr id="2" name="Заголовок 1"/>
+          <p:cNvSpPr>
+            <a:spLocks noGrp="1"/>
+          </p:cNvSpPr>
+          <p:nvPr>
+            <p:ph type="title"/>
+          </p:nvPr>
+        </p:nvSpPr>
+        <p:spPr/>
+        <p:txBody>
+          <a:bodyPr/>
+          <a:lstStyle/>
+          <a:p>
+            <a:r>
+              <a:rPr lang="ru-RU" dirty="0" smtClean="0"/>
+              <a:t>Простой пример</a:t>
+            </a:r>
+            <a:endParaRPr lang="ru-RU" dirty="0"/>
+          </a:p>
+        </p:txBody>
+      </p:sp>
+      <p:pic>
+        <p:nvPicPr>
+          <p:cNvPr id="6148" name="Picture 4"/>
+          <p:cNvPicPr>
+            <a:picLocks noGrp="1" noChangeAspect="1" noChangeArrowheads="1"/>
+          </p:cNvPicPr>
+          <p:nvPr>
+            <p:ph idx="1"/>
+          </p:nvPr>
+        </p:nvPicPr>
+        <p:blipFill>
+          <a:blip r:embed="rId2">
+            <a:extLst>
+              <a:ext uri="{28A0092B-C50C-407E-A947-70E740481C1C}">
+                <a14:useLocalDpi xmlns:a14="http://schemas.microsoft.com/office/drawing/2010/main" val="0"/>
+              </a:ext>
+            </a:extLst>
+          </a:blip>
+          <a:srcRect/>
+          <a:stretch>
+            <a:fillRect/>
+          </a:stretch>
+        </p:blipFill>
+        <p:spPr bwMode="auto">
+          <a:xfrm>
+            <a:off x="1331640" y="1772816"/>
+            <a:ext cx="6336704" cy="4737941"/>
+          </a:xfrm>
+          <a:prstGeom prst="rect">
+            <a:avLst/>
+          </a:prstGeom>
+          <a:noFill/>
+          <a:ln>
+            <a:noFill/>
+          </a:ln>
+          <a:effectLst/>
+          <a:extLst>
+            <a:ext uri="{909E8E84-426E-40DD-AFC4-6F175D3DCCD1}">
+              <a14:hiddenFill xmlns:a14="http://schemas.microsoft.com/office/drawing/2010/main">
+                <a:solidFill>
+                  <a:schemeClr val="accent1"/>
+                </a:solidFill>
+              </a14:hiddenFill>
+            </a:ext>
+            <a:ext uri="{91240B29-F687-4F45-9708-019B960494DF}">
+              <a14:hiddenLine xmlns:a14="http://schemas.microsoft.com/office/drawing/2010/main" w="9525">
+                <a:solidFill>
+                  <a:schemeClr val="tx1"/>
+                </a:solidFill>
+                <a:miter lim="800000"/>
+                <a:headEnd/>
+                <a:tailEnd/>
+              </a14:hiddenLine>
+            </a:ext>
+            <a:ext uri="{AF507438-7753-43E0-B8FC-AC1667EBCBE1}">
+              <a14:hiddenEffects xmlns:a14="http://schemas.microsoft.com/office/drawing/2010/main">
+                <a:effectLst>
+                  <a:outerShdw dist="35921" dir="2700000" algn="ctr" rotWithShape="0">
+                    <a:schemeClr val="bg2"/>
+                  </a:outerShdw>
+                </a:effectLst>
+              </a14:hiddenEffects>
+            </a:ext>
+          </a:extLst>
+        </p:spPr>
+      </p:pic>
+    </p:spTree>
+    <p:extLst>
+      <p:ext uri="{BB962C8B-B14F-4D97-AF65-F5344CB8AC3E}">
+        <p14:creationId xmlns:p14="http://schemas.microsoft.com/office/powerpoint/2010/main" val="2290225339"/>
+      </p:ext>
+    </p:extLst>
+  </p:cSld>
+  <p:clrMapOvr>
+    <a:masterClrMapping/>
+  </p:clrMapOvr>
+  <p:timing>
+    <p:tnLst>
+      <p:par>
+        <p:cTn id="1" dur="indefinite" restart="never" nodeType="tmRoot"/>
+      </p:par>
+    </p:tnLst>
+  </p:timing>
+</p:sld>
+</file>
+
+<file path=ppt/slides/slide12.xml><?xml version="1.0" encoding="utf-8"?>
+<p:sld xmlns:a="http://schemas.openxmlformats.org/drawingml/2006/main" xmlns:r="http://schemas.openxmlformats.org/officeDocument/2006/relationships" xmlns:p="http://schemas.openxmlformats.org/presentationml/2006/main">
+  <p:cSld>
+    <p:spTree>
+      <p:nvGrpSpPr>
+        <p:cNvPr id="1" name=""/>
+        <p:cNvGrpSpPr/>
+        <p:nvPr/>
+      </p:nvGrpSpPr>
+      <p:grpSpPr>
+        <a:xfrm>
+          <a:off x="0" y="0"/>
+          <a:ext cx="0" cy="0"/>
+          <a:chOff x="0" y="0"/>
+          <a:chExt cx="0" cy="0"/>
+        </a:xfrm>
+      </p:grpSpPr>
+      <p:sp>
+        <p:nvSpPr>
+          <p:cNvPr id="2" name="Заголовок 1"/>
+          <p:cNvSpPr>
+            <a:spLocks noGrp="1"/>
+          </p:cNvSpPr>
+          <p:nvPr>
+            <p:ph type="title"/>
+          </p:nvPr>
+        </p:nvSpPr>
+        <p:spPr/>
+        <p:txBody>
+          <a:bodyPr/>
+          <a:lstStyle/>
+          <a:p>
+            <a:r>
+              <a:rPr lang="ru-RU" dirty="0" smtClean="0"/>
+              <a:t>Разбор работы</a:t>
+            </a:r>
+            <a:endParaRPr lang="ru-RU" dirty="0"/>
+          </a:p>
+        </p:txBody>
+      </p:sp>
+      <p:pic>
+        <p:nvPicPr>
+          <p:cNvPr id="5122" name="Picture 2"/>
+          <p:cNvPicPr>
+            <a:picLocks noGrp="1" noChangeAspect="1" noChangeArrowheads="1"/>
+          </p:cNvPicPr>
+          <p:nvPr>
+            <p:ph idx="1"/>
+          </p:nvPr>
+        </p:nvPicPr>
+        <p:blipFill>
+          <a:blip r:embed="rId2">
+            <a:extLst>
+              <a:ext uri="{28A0092B-C50C-407E-A947-70E740481C1C}">
+                <a14:useLocalDpi xmlns:a14="http://schemas.microsoft.com/office/drawing/2010/main" val="0"/>
+              </a:ext>
+            </a:extLst>
+          </a:blip>
+          <a:srcRect/>
+          <a:stretch>
+            <a:fillRect/>
+          </a:stretch>
+        </p:blipFill>
+        <p:spPr bwMode="auto">
+          <a:xfrm>
+            <a:off x="0" y="2440983"/>
+            <a:ext cx="9144000" cy="4417017"/>
+          </a:xfrm>
+          <a:prstGeom prst="rect">
+            <a:avLst/>
+          </a:prstGeom>
+          <a:noFill/>
+          <a:ln>
+            <a:noFill/>
+          </a:ln>
+          <a:effectLst/>
+          <a:extLst>
+            <a:ext uri="{909E8E84-426E-40DD-AFC4-6F175D3DCCD1}">
+              <a14:hiddenFill xmlns:a14="http://schemas.microsoft.com/office/drawing/2010/main">
+                <a:solidFill>
+                  <a:schemeClr val="accent1"/>
+                </a:solidFill>
+              </a14:hiddenFill>
+            </a:ext>
+            <a:ext uri="{91240B29-F687-4F45-9708-019B960494DF}">
+              <a14:hiddenLine xmlns:a14="http://schemas.microsoft.com/office/drawing/2010/main" w="9525">
+                <a:solidFill>
+                  <a:schemeClr val="tx1"/>
+                </a:solidFill>
+                <a:miter lim="800000"/>
+                <a:headEnd/>
+                <a:tailEnd/>
+              </a14:hiddenLine>
+            </a:ext>
+            <a:ext uri="{AF507438-7753-43E0-B8FC-AC1667EBCBE1}">
+              <a14:hiddenEffects xmlns:a14="http://schemas.microsoft.com/office/drawing/2010/main">
+                <a:effectLst>
+                  <a:outerShdw dist="35921" dir="2700000" algn="ctr" rotWithShape="0">
+                    <a:schemeClr val="bg2"/>
+                  </a:outerShdw>
+                </a:effectLst>
+              </a14:hiddenEffects>
+            </a:ext>
+          </a:extLst>
+        </p:spPr>
+      </p:pic>
+    </p:spTree>
+    <p:extLst>
+      <p:ext uri="{BB962C8B-B14F-4D97-AF65-F5344CB8AC3E}">
+        <p14:creationId xmlns:p14="http://schemas.microsoft.com/office/powerpoint/2010/main" val="2921842750"/>
+      </p:ext>
+    </p:extLst>
+  </p:cSld>
+  <p:clrMapOvr>
+    <a:masterClrMapping/>
+  </p:clrMapOvr>
+  <p:timing>
+    <p:tnLst>
+      <p:par>
+        <p:cTn id="1" dur="indefinite" restart="never" nodeType="tmRoot"/>
+      </p:par>
+    </p:tnLst>
+  </p:timing>
+</p:sld>
+</file>
+
+<file path=ppt/slides/slide13.xml><?xml version="1.0" encoding="utf-8"?>
+<p:sld xmlns:a="http://schemas.openxmlformats.org/drawingml/2006/main" xmlns:r="http://schemas.openxmlformats.org/officeDocument/2006/relationships" xmlns:p="http://schemas.openxmlformats.org/presentationml/2006/main">
+  <p:cSld>
+    <p:spTree>
+      <p:nvGrpSpPr>
+        <p:cNvPr id="1" name=""/>
+        <p:cNvGrpSpPr/>
+        <p:nvPr/>
+      </p:nvGrpSpPr>
+      <p:grpSpPr>
+        <a:xfrm>
+          <a:off x="0" y="0"/>
+          <a:ext cx="0" cy="0"/>
+          <a:chOff x="0" y="0"/>
+          <a:chExt cx="0" cy="0"/>
+        </a:xfrm>
+      </p:grpSpPr>
+      <p:sp>
+        <p:nvSpPr>
+          <p:cNvPr id="2" name="Заголовок 1"/>
+          <p:cNvSpPr>
+            <a:spLocks noGrp="1"/>
+          </p:cNvSpPr>
+          <p:nvPr>
+            <p:ph type="title"/>
+          </p:nvPr>
+        </p:nvSpPr>
+        <p:spPr/>
+        <p:txBody>
+          <a:bodyPr>
+            <a:normAutofit/>
+          </a:bodyPr>
+          <a:lstStyle/>
+          <a:p>
+            <a:r>
+              <a:rPr lang="en-US" dirty="0" smtClean="0"/>
+              <a:t>Process-, </a:t>
+            </a:r>
+            <a:r>
+              <a:rPr lang="en-US" dirty="0" err="1" smtClean="0"/>
+              <a:t>ThreadPoolExecutor</a:t>
+            </a:r>
+            <a:r>
+              <a:rPr lang="en-US" dirty="0"/>
+              <a:t>()</a:t>
+            </a:r>
+            <a:endParaRPr lang="ru-RU" dirty="0"/>
+          </a:p>
+        </p:txBody>
+      </p:sp>
+      <p:pic>
+        <p:nvPicPr>
+          <p:cNvPr id="3074" name="Picture 2"/>
+          <p:cNvPicPr>
+            <a:picLocks noGrp="1" noChangeAspect="1" noChangeArrowheads="1"/>
+          </p:cNvPicPr>
+          <p:nvPr>
+            <p:ph idx="1"/>
+          </p:nvPr>
+        </p:nvPicPr>
+        <p:blipFill>
+          <a:blip r:embed="rId2">
+            <a:extLst>
+              <a:ext uri="{28A0092B-C50C-407E-A947-70E740481C1C}">
+                <a14:useLocalDpi xmlns:a14="http://schemas.microsoft.com/office/drawing/2010/main" val="0"/>
+              </a:ext>
+            </a:extLst>
+          </a:blip>
+          <a:srcRect/>
+          <a:stretch>
+            <a:fillRect/>
+          </a:stretch>
+        </p:blipFill>
+        <p:spPr bwMode="auto">
+          <a:xfrm>
+            <a:off x="846911" y="1600200"/>
+            <a:ext cx="7450178" cy="4525963"/>
+          </a:xfrm>
+          <a:prstGeom prst="rect">
+            <a:avLst/>
+          </a:prstGeom>
+          <a:noFill/>
+          <a:ln>
+            <a:noFill/>
+          </a:ln>
+          <a:effectLst/>
+          <a:extLst>
+            <a:ext uri="{909E8E84-426E-40DD-AFC4-6F175D3DCCD1}">
+              <a14:hiddenFill xmlns:a14="http://schemas.microsoft.com/office/drawing/2010/main">
+                <a:solidFill>
+                  <a:schemeClr val="accent1"/>
+                </a:solidFill>
+              </a14:hiddenFill>
+            </a:ext>
+            <a:ext uri="{91240B29-F687-4F45-9708-019B960494DF}">
+              <a14:hiddenLine xmlns:a14="http://schemas.microsoft.com/office/drawing/2010/main" w="9525">
+                <a:solidFill>
+                  <a:schemeClr val="tx1"/>
+                </a:solidFill>
+                <a:miter lim="800000"/>
+                <a:headEnd/>
+                <a:tailEnd/>
+              </a14:hiddenLine>
+            </a:ext>
+            <a:ext uri="{AF507438-7753-43E0-B8FC-AC1667EBCBE1}">
+              <a14:hiddenEffects xmlns:a14="http://schemas.microsoft.com/office/drawing/2010/main">
+                <a:effectLst>
+                  <a:outerShdw dist="35921" dir="2700000" algn="ctr" rotWithShape="0">
+                    <a:schemeClr val="bg2"/>
+                  </a:outerShdw>
+                </a:effectLst>
+              </a14:hiddenEffects>
+            </a:ext>
+          </a:extLst>
+        </p:spPr>
+      </p:pic>
+    </p:spTree>
+    <p:extLst>
+      <p:ext uri="{BB962C8B-B14F-4D97-AF65-F5344CB8AC3E}">
+        <p14:creationId xmlns:p14="http://schemas.microsoft.com/office/powerpoint/2010/main" val="1265510397"/>
+      </p:ext>
+    </p:extLst>
+  </p:cSld>
+  <p:clrMapOvr>
+    <a:masterClrMapping/>
+  </p:clrMapOvr>
+  <p:timing>
+    <p:tnLst>
+      <p:par>
+        <p:cTn id="1" dur="indefinite" restart="never" nodeType="tmRoot"/>
+      </p:par>
+    </p:tnLst>
+  </p:timing>
+</p:sld>
+</file>
+
 <file path=ppt/slides/slide2.xml><?xml version="1.0" encoding="utf-8"?>
 <p:sld xmlns:a="http://schemas.openxmlformats.org/drawingml/2006/main" xmlns:r="http://schemas.openxmlformats.org/officeDocument/2006/relationships" xmlns:p="http://schemas.openxmlformats.org/presentationml/2006/main">
   <p:cSld>
@@ -3949,6 +4598,785 @@
     <p:extLst>
       <p:ext uri="{BB962C8B-B14F-4D97-AF65-F5344CB8AC3E}">
         <p14:creationId xmlns:p14="http://schemas.microsoft.com/office/powerpoint/2010/main" val="558233581"/>
+      </p:ext>
+    </p:extLst>
+  </p:cSld>
+  <p:clrMapOvr>
+    <a:masterClrMapping/>
+  </p:clrMapOvr>
+  <p:timing>
+    <p:tnLst>
+      <p:par>
+        <p:cTn id="1" dur="indefinite" restart="never" nodeType="tmRoot"/>
+      </p:par>
+    </p:tnLst>
+  </p:timing>
+</p:sld>
+</file>
+
+<file path=ppt/slides/slide6.xml><?xml version="1.0" encoding="utf-8"?>
+<p:sld xmlns:a="http://schemas.openxmlformats.org/drawingml/2006/main" xmlns:r="http://schemas.openxmlformats.org/officeDocument/2006/relationships" xmlns:p="http://schemas.openxmlformats.org/presentationml/2006/main">
+  <p:cSld>
+    <p:spTree>
+      <p:nvGrpSpPr>
+        <p:cNvPr id="1" name=""/>
+        <p:cNvGrpSpPr/>
+        <p:nvPr/>
+      </p:nvGrpSpPr>
+      <p:grpSpPr>
+        <a:xfrm>
+          <a:off x="0" y="0"/>
+          <a:ext cx="0" cy="0"/>
+          <a:chOff x="0" y="0"/>
+          <a:chExt cx="0" cy="0"/>
+        </a:xfrm>
+      </p:grpSpPr>
+      <p:sp>
+        <p:nvSpPr>
+          <p:cNvPr id="2" name="Заголовок 1"/>
+          <p:cNvSpPr>
+            <a:spLocks noGrp="1"/>
+          </p:cNvSpPr>
+          <p:nvPr>
+            <p:ph type="title"/>
+          </p:nvPr>
+        </p:nvSpPr>
+        <p:spPr/>
+        <p:txBody>
+          <a:bodyPr/>
+          <a:lstStyle/>
+          <a:p>
+            <a:r>
+              <a:rPr lang="en-US" dirty="0" err="1" smtClean="0"/>
+              <a:t>Asyncio</a:t>
+            </a:r>
+            <a:r>
+              <a:rPr lang="en-US" dirty="0" smtClean="0"/>
+              <a:t> </a:t>
+            </a:r>
+            <a:r>
+              <a:rPr lang="en-US" dirty="0" err="1" smtClean="0"/>
+              <a:t>vs</a:t>
+            </a:r>
+            <a:r>
+              <a:rPr lang="en-US" dirty="0" smtClean="0"/>
+              <a:t> Threading</a:t>
+            </a:r>
+            <a:endParaRPr lang="ru-RU" dirty="0"/>
+          </a:p>
+        </p:txBody>
+      </p:sp>
+      <p:sp>
+        <p:nvSpPr>
+          <p:cNvPr id="3" name="Объект 2"/>
+          <p:cNvSpPr>
+            <a:spLocks noGrp="1"/>
+          </p:cNvSpPr>
+          <p:nvPr>
+            <p:ph idx="1"/>
+          </p:nvPr>
+        </p:nvSpPr>
+        <p:spPr/>
+        <p:txBody>
+          <a:bodyPr>
+            <a:noAutofit/>
+          </a:bodyPr>
+          <a:lstStyle/>
+          <a:p>
+            <a:r>
+              <a:rPr lang="ru-RU" sz="2000" dirty="0" smtClean="0"/>
+              <a:t>Есть потоки (</a:t>
+            </a:r>
+            <a:r>
+              <a:rPr lang="ru-RU" sz="2000" dirty="0"/>
+              <a:t>T1, T2 и </a:t>
+            </a:r>
+            <a:r>
+              <a:rPr lang="ru-RU" sz="2000" dirty="0" smtClean="0"/>
+              <a:t>T3) для </a:t>
+            </a:r>
+            <a:r>
+              <a:rPr lang="ru-RU" sz="2000" dirty="0"/>
+              <a:t>операций ввода-вывода. </a:t>
+            </a:r>
+            <a:r>
+              <a:rPr lang="ru-RU" sz="2000" dirty="0" smtClean="0"/>
+              <a:t>Интерпретатор переключается </a:t>
+            </a:r>
+            <a:r>
+              <a:rPr lang="ru-RU" sz="2000" dirty="0"/>
+              <a:t>между </a:t>
+            </a:r>
+            <a:r>
+              <a:rPr lang="ru-RU" sz="2000" dirty="0" smtClean="0"/>
+              <a:t>потоками </a:t>
+            </a:r>
+            <a:r>
+              <a:rPr lang="ru-RU" sz="2000" dirty="0"/>
+              <a:t>и </a:t>
+            </a:r>
+            <a:r>
+              <a:rPr lang="ru-RU" sz="2000" dirty="0" smtClean="0"/>
+              <a:t>дает </a:t>
+            </a:r>
+            <a:r>
+              <a:rPr lang="ru-RU" sz="2000" dirty="0"/>
+              <a:t>каждому </a:t>
+            </a:r>
+            <a:r>
+              <a:rPr lang="ru-RU" sz="2000" dirty="0" smtClean="0"/>
+              <a:t>время </a:t>
+            </a:r>
+            <a:r>
+              <a:rPr lang="ru-RU" sz="2000" dirty="0"/>
+              <a:t>по очереди</a:t>
+            </a:r>
+            <a:r>
+              <a:rPr lang="ru-RU" sz="2000" dirty="0" smtClean="0"/>
+              <a:t>. </a:t>
+            </a:r>
+          </a:p>
+          <a:p>
+            <a:r>
+              <a:rPr lang="ru-RU" sz="2000" dirty="0" smtClean="0"/>
+              <a:t>Три </a:t>
+            </a:r>
+            <a:r>
+              <a:rPr lang="ru-RU" sz="2000" dirty="0"/>
+              <a:t>потока начали свою операцию ввода-вывода. </a:t>
+            </a:r>
+            <a:endParaRPr lang="ru-RU" sz="2000" dirty="0" smtClean="0"/>
+          </a:p>
+          <a:p>
+            <a:r>
+              <a:rPr lang="ru-RU" sz="2000" dirty="0" smtClean="0"/>
+              <a:t>T3 </a:t>
+            </a:r>
+            <a:r>
+              <a:rPr lang="ru-RU" sz="2000" dirty="0"/>
+              <a:t>завершает его первым. </a:t>
+            </a:r>
+            <a:endParaRPr lang="ru-RU" sz="2000" dirty="0" smtClean="0"/>
+          </a:p>
+          <a:p>
+            <a:r>
+              <a:rPr lang="ru-RU" sz="2000" dirty="0" smtClean="0"/>
+              <a:t>T2 </a:t>
+            </a:r>
+            <a:r>
+              <a:rPr lang="ru-RU" sz="2000" dirty="0"/>
+              <a:t>и T1 все еще </a:t>
+            </a:r>
+            <a:r>
+              <a:rPr lang="ru-RU" sz="2000" b="1" dirty="0"/>
+              <a:t>ожидают</a:t>
+            </a:r>
+            <a:r>
+              <a:rPr lang="ru-RU" sz="2000" dirty="0"/>
+              <a:t> ввода-вывода. </a:t>
+            </a:r>
+            <a:endParaRPr lang="ru-RU" sz="2000" dirty="0" smtClean="0"/>
+          </a:p>
+          <a:p>
+            <a:r>
+              <a:rPr lang="ru-RU" sz="2000" dirty="0" smtClean="0"/>
+              <a:t>Интерпретатор переключается </a:t>
+            </a:r>
+            <a:r>
+              <a:rPr lang="ru-RU" sz="2000" dirty="0"/>
+              <a:t>на T1, но он все еще </a:t>
+            </a:r>
+            <a:r>
+              <a:rPr lang="ru-RU" sz="2000" dirty="0" smtClean="0"/>
+              <a:t>ждет.</a:t>
+            </a:r>
+          </a:p>
+          <a:p>
+            <a:r>
+              <a:rPr lang="ru-RU" sz="2000" dirty="0" smtClean="0"/>
+              <a:t>Интерпретатор </a:t>
+            </a:r>
+            <a:r>
+              <a:rPr lang="ru-RU" sz="2000" dirty="0"/>
+              <a:t>переключается </a:t>
+            </a:r>
+            <a:r>
+              <a:rPr lang="ru-RU" sz="2000" dirty="0" smtClean="0"/>
+              <a:t>в </a:t>
+            </a:r>
+            <a:r>
+              <a:rPr lang="ru-RU" sz="2000" dirty="0"/>
+              <a:t>T2, а тот все еще </a:t>
+            </a:r>
+            <a:r>
+              <a:rPr lang="ru-RU" sz="2000" dirty="0" smtClean="0"/>
+              <a:t>ждет</a:t>
+            </a:r>
+          </a:p>
+          <a:p>
+            <a:r>
+              <a:rPr lang="ru-RU" sz="2000" dirty="0" smtClean="0"/>
+              <a:t>Интерпретатор </a:t>
+            </a:r>
+            <a:r>
+              <a:rPr lang="ru-RU" sz="2000" dirty="0"/>
+              <a:t>переключается </a:t>
+            </a:r>
+            <a:r>
+              <a:rPr lang="ru-RU" sz="2000" dirty="0" smtClean="0"/>
+              <a:t>в </a:t>
+            </a:r>
+            <a:r>
+              <a:rPr lang="ru-RU" sz="2000" dirty="0"/>
+              <a:t>T3, который готов и выполняет код. </a:t>
+            </a:r>
+          </a:p>
+          <a:p>
+            <a:pPr marL="0" indent="0">
+              <a:buNone/>
+            </a:pPr>
+            <a:endParaRPr lang="ru-RU" sz="2000" dirty="0" smtClean="0"/>
+          </a:p>
+          <a:p>
+            <a:pPr marL="0" indent="0">
+              <a:buNone/>
+            </a:pPr>
+            <a:r>
+              <a:rPr lang="ru-RU" sz="2000" dirty="0" smtClean="0"/>
+              <a:t>Проблема:</a:t>
+            </a:r>
+            <a:endParaRPr lang="ru-RU" sz="2000" dirty="0"/>
+          </a:p>
+          <a:p>
+            <a:r>
+              <a:rPr lang="ru-RU" sz="2000" dirty="0"/>
+              <a:t>T3 был готов, но интерпретатор сначала переключился между T2 и T1 — </a:t>
+            </a:r>
+            <a:r>
+              <a:rPr lang="ru-RU" sz="2000" dirty="0" smtClean="0"/>
+              <a:t>доп. </a:t>
+            </a:r>
+            <a:r>
+              <a:rPr lang="ru-RU" sz="2000" dirty="0"/>
+              <a:t>расходы на переключение, которых </a:t>
+            </a:r>
+            <a:r>
+              <a:rPr lang="ru-RU" sz="2000" dirty="0" smtClean="0"/>
+              <a:t>можно было </a:t>
+            </a:r>
+            <a:r>
+              <a:rPr lang="ru-RU" sz="2000" dirty="0"/>
+              <a:t>избежать, если бы интерпретатор сначала переключился на </a:t>
+            </a:r>
+            <a:r>
+              <a:rPr lang="ru-RU" sz="2000" dirty="0" smtClean="0"/>
+              <a:t>T3.</a:t>
+            </a:r>
+            <a:endParaRPr lang="ru-RU" sz="2000" dirty="0"/>
+          </a:p>
+        </p:txBody>
+      </p:sp>
+    </p:spTree>
+    <p:extLst>
+      <p:ext uri="{BB962C8B-B14F-4D97-AF65-F5344CB8AC3E}">
+        <p14:creationId xmlns:p14="http://schemas.microsoft.com/office/powerpoint/2010/main" val="1905186805"/>
+      </p:ext>
+    </p:extLst>
+  </p:cSld>
+  <p:clrMapOvr>
+    <a:masterClrMapping/>
+  </p:clrMapOvr>
+  <p:timing>
+    <p:tnLst>
+      <p:par>
+        <p:cTn id="1" dur="indefinite" restart="never" nodeType="tmRoot"/>
+      </p:par>
+    </p:tnLst>
+  </p:timing>
+</p:sld>
+</file>
+
+<file path=ppt/slides/slide7.xml><?xml version="1.0" encoding="utf-8"?>
+<p:sld xmlns:a="http://schemas.openxmlformats.org/drawingml/2006/main" xmlns:r="http://schemas.openxmlformats.org/officeDocument/2006/relationships" xmlns:p="http://schemas.openxmlformats.org/presentationml/2006/main">
+  <p:cSld>
+    <p:spTree>
+      <p:nvGrpSpPr>
+        <p:cNvPr id="1" name=""/>
+        <p:cNvGrpSpPr/>
+        <p:nvPr/>
+      </p:nvGrpSpPr>
+      <p:grpSpPr>
+        <a:xfrm>
+          <a:off x="0" y="0"/>
+          <a:ext cx="0" cy="0"/>
+          <a:chOff x="0" y="0"/>
+          <a:chExt cx="0" cy="0"/>
+        </a:xfrm>
+      </p:grpSpPr>
+      <p:sp>
+        <p:nvSpPr>
+          <p:cNvPr id="2" name="Заголовок 1"/>
+          <p:cNvSpPr>
+            <a:spLocks noGrp="1"/>
+          </p:cNvSpPr>
+          <p:nvPr>
+            <p:ph type="title"/>
+          </p:nvPr>
+        </p:nvSpPr>
+        <p:spPr/>
+        <p:txBody>
+          <a:bodyPr/>
+          <a:lstStyle/>
+          <a:p>
+            <a:r>
+              <a:rPr lang="en-US" dirty="0" err="1" smtClean="0"/>
+              <a:t>asyncio</a:t>
+            </a:r>
+            <a:r>
+              <a:rPr lang="en-US" dirty="0" smtClean="0"/>
+              <a:t> - </a:t>
+            </a:r>
+            <a:r>
+              <a:rPr lang="ru-RU" dirty="0" smtClean="0"/>
+              <a:t>определения</a:t>
+            </a:r>
+            <a:endParaRPr lang="ru-RU" dirty="0"/>
+          </a:p>
+        </p:txBody>
+      </p:sp>
+      <p:sp>
+        <p:nvSpPr>
+          <p:cNvPr id="3" name="Объект 2"/>
+          <p:cNvSpPr>
+            <a:spLocks noGrp="1"/>
+          </p:cNvSpPr>
+          <p:nvPr>
+            <p:ph idx="1"/>
+          </p:nvPr>
+        </p:nvSpPr>
+        <p:spPr/>
+        <p:txBody>
+          <a:bodyPr>
+            <a:noAutofit/>
+          </a:bodyPr>
+          <a:lstStyle/>
+          <a:p>
+            <a:r>
+              <a:rPr lang="ru-RU" sz="2000" b="1" dirty="0"/>
+              <a:t>цикл событий </a:t>
+            </a:r>
+            <a:r>
+              <a:rPr lang="ru-RU" sz="2000" dirty="0"/>
+              <a:t>(</a:t>
+            </a:r>
+            <a:r>
+              <a:rPr lang="ru-RU" sz="2000" i="1" dirty="0" err="1"/>
+              <a:t>event</a:t>
+            </a:r>
+            <a:r>
+              <a:rPr lang="ru-RU" sz="2000" i="1" dirty="0"/>
+              <a:t> </a:t>
+            </a:r>
+            <a:r>
+              <a:rPr lang="ru-RU" sz="2000" i="1" dirty="0" err="1"/>
+              <a:t>loop</a:t>
+            </a:r>
+            <a:r>
+              <a:rPr lang="ru-RU" sz="2000" dirty="0"/>
+              <a:t>) </a:t>
+            </a:r>
+            <a:r>
+              <a:rPr lang="ru-RU" sz="2000" u="sng" dirty="0" smtClean="0"/>
+              <a:t>управляет </a:t>
+            </a:r>
+            <a:r>
+              <a:rPr lang="ru-RU" sz="2000" dirty="0"/>
+              <a:t>выполнением различных задач: регистрирует поступление и запускает в подходящий момент</a:t>
+            </a:r>
+          </a:p>
+          <a:p>
+            <a:endParaRPr lang="ru-RU" sz="2000" b="1" dirty="0" smtClean="0"/>
+          </a:p>
+          <a:p>
+            <a:r>
+              <a:rPr lang="ru-RU" sz="2000" b="1" dirty="0" err="1" smtClean="0"/>
+              <a:t>корутины</a:t>
+            </a:r>
+            <a:r>
+              <a:rPr lang="ru-RU" sz="2000" dirty="0" smtClean="0"/>
+              <a:t> </a:t>
+            </a:r>
+            <a:r>
+              <a:rPr lang="ru-RU" sz="2000" dirty="0"/>
+              <a:t>— специальные </a:t>
+            </a:r>
+            <a:r>
+              <a:rPr lang="ru-RU" sz="2000" u="sng" dirty="0"/>
+              <a:t>функции</a:t>
+            </a:r>
+            <a:r>
+              <a:rPr lang="ru-RU" sz="2000" dirty="0"/>
+              <a:t>, похожие на генераторы </a:t>
+            </a:r>
+            <a:r>
+              <a:rPr lang="ru-RU" sz="2000" dirty="0" err="1"/>
+              <a:t>python</a:t>
+            </a:r>
+            <a:r>
+              <a:rPr lang="ru-RU" sz="2000" dirty="0"/>
+              <a:t>, от которых ожидают (</a:t>
+            </a:r>
+            <a:r>
+              <a:rPr lang="ru-RU" sz="2000" i="1" dirty="0" err="1"/>
+              <a:t>await</a:t>
+            </a:r>
+            <a:r>
+              <a:rPr lang="ru-RU" sz="2000" dirty="0"/>
+              <a:t>), что они будут отдавать управление обратно в цикл событий. </a:t>
+            </a:r>
+            <a:r>
+              <a:rPr lang="ru-RU" sz="2000" dirty="0" smtClean="0"/>
+              <a:t>Должны быть </a:t>
+            </a:r>
+            <a:r>
+              <a:rPr lang="ru-RU" sz="2000" dirty="0"/>
+              <a:t>запущены именно через цикл событий</a:t>
+            </a:r>
+          </a:p>
+          <a:p>
+            <a:endParaRPr lang="ru-RU" sz="2000" b="1" dirty="0" smtClean="0"/>
+          </a:p>
+          <a:p>
+            <a:r>
+              <a:rPr lang="ru-RU" sz="2000" b="1" dirty="0" err="1" smtClean="0"/>
+              <a:t>футуры</a:t>
+            </a:r>
+            <a:r>
+              <a:rPr lang="ru-RU" sz="2000" dirty="0" smtClean="0"/>
+              <a:t> </a:t>
+            </a:r>
+            <a:r>
+              <a:rPr lang="ru-RU" sz="2000" dirty="0"/>
+              <a:t>— объекты, в которых </a:t>
+            </a:r>
+            <a:r>
+              <a:rPr lang="ru-RU" sz="2000" u="sng" dirty="0"/>
+              <a:t>хранится текущий результат </a:t>
+            </a:r>
+            <a:r>
+              <a:rPr lang="ru-RU" sz="2000" dirty="0"/>
+              <a:t>выполнения какой-либо </a:t>
+            </a:r>
+            <a:r>
+              <a:rPr lang="ru-RU" sz="2000" dirty="0" smtClean="0"/>
+              <a:t>задачи (задача </a:t>
+            </a:r>
+            <a:r>
+              <a:rPr lang="ru-RU" sz="2000" dirty="0"/>
+              <a:t>ещё не обработана или уже полученный </a:t>
+            </a:r>
+            <a:r>
+              <a:rPr lang="ru-RU" sz="2000" dirty="0" smtClean="0"/>
+              <a:t>результат или возникло исключение)</a:t>
+            </a:r>
+            <a:endParaRPr lang="ru-RU" sz="2000" dirty="0"/>
+          </a:p>
+        </p:txBody>
+      </p:sp>
+    </p:spTree>
+    <p:extLst>
+      <p:ext uri="{BB962C8B-B14F-4D97-AF65-F5344CB8AC3E}">
+        <p14:creationId xmlns:p14="http://schemas.microsoft.com/office/powerpoint/2010/main" val="3653371415"/>
+      </p:ext>
+    </p:extLst>
+  </p:cSld>
+  <p:clrMapOvr>
+    <a:masterClrMapping/>
+  </p:clrMapOvr>
+  <p:timing>
+    <p:tnLst>
+      <p:par>
+        <p:cTn id="1" dur="indefinite" restart="never" nodeType="tmRoot"/>
+      </p:par>
+    </p:tnLst>
+  </p:timing>
+</p:sld>
+</file>
+
+<file path=ppt/slides/slide8.xml><?xml version="1.0" encoding="utf-8"?>
+<p:sld xmlns:a="http://schemas.openxmlformats.org/drawingml/2006/main" xmlns:r="http://schemas.openxmlformats.org/officeDocument/2006/relationships" xmlns:p="http://schemas.openxmlformats.org/presentationml/2006/main">
+  <p:cSld>
+    <p:spTree>
+      <p:nvGrpSpPr>
+        <p:cNvPr id="1" name=""/>
+        <p:cNvGrpSpPr/>
+        <p:nvPr/>
+      </p:nvGrpSpPr>
+      <p:grpSpPr>
+        <a:xfrm>
+          <a:off x="0" y="0"/>
+          <a:ext cx="0" cy="0"/>
+          <a:chOff x="0" y="0"/>
+          <a:chExt cx="0" cy="0"/>
+        </a:xfrm>
+      </p:grpSpPr>
+      <p:sp>
+        <p:nvSpPr>
+          <p:cNvPr id="2" name="Заголовок 1"/>
+          <p:cNvSpPr>
+            <a:spLocks noGrp="1"/>
+          </p:cNvSpPr>
+          <p:nvPr>
+            <p:ph type="title"/>
+          </p:nvPr>
+        </p:nvSpPr>
+        <p:spPr/>
+        <p:txBody>
+          <a:bodyPr/>
+          <a:lstStyle/>
+          <a:p>
+            <a:endParaRPr lang="ru-RU"/>
+          </a:p>
+        </p:txBody>
+      </p:sp>
+      <p:sp>
+        <p:nvSpPr>
+          <p:cNvPr id="3" name="Объект 2"/>
+          <p:cNvSpPr>
+            <a:spLocks noGrp="1"/>
+          </p:cNvSpPr>
+          <p:nvPr>
+            <p:ph idx="1"/>
+          </p:nvPr>
+        </p:nvSpPr>
+        <p:spPr/>
+        <p:txBody>
+          <a:bodyPr/>
+          <a:lstStyle/>
+          <a:p>
+            <a:r>
+              <a:rPr lang="en-US" dirty="0" err="1"/>
+              <a:t>Asyncio</a:t>
+            </a:r>
+            <a:r>
+              <a:rPr lang="en-US" dirty="0"/>
+              <a:t> is not multithreading or multiprocessing, but it runs code in parallel</a:t>
+            </a:r>
+            <a:r>
+              <a:rPr lang="en-US" dirty="0" smtClean="0"/>
+              <a:t>🤯</a:t>
+            </a:r>
+          </a:p>
+          <a:p>
+            <a:endParaRPr lang="en-US" dirty="0"/>
+          </a:p>
+          <a:p>
+            <a:r>
+              <a:rPr lang="ru-RU" dirty="0" smtClean="0"/>
+              <a:t>Программа работает в одном потоке асинхронно, в отличии от работы в потоке с </a:t>
+            </a:r>
+            <a:r>
+              <a:rPr lang="en-US" dirty="0" smtClean="0"/>
+              <a:t>threading</a:t>
+            </a:r>
+            <a:endParaRPr lang="ru-RU" dirty="0"/>
+          </a:p>
+        </p:txBody>
+      </p:sp>
+    </p:spTree>
+    <p:extLst>
+      <p:ext uri="{BB962C8B-B14F-4D97-AF65-F5344CB8AC3E}">
+        <p14:creationId xmlns:p14="http://schemas.microsoft.com/office/powerpoint/2010/main" val="867474366"/>
+      </p:ext>
+    </p:extLst>
+  </p:cSld>
+  <p:clrMapOvr>
+    <a:masterClrMapping/>
+  </p:clrMapOvr>
+  <p:timing>
+    <p:tnLst>
+      <p:par>
+        <p:cTn id="1" dur="indefinite" restart="never" nodeType="tmRoot"/>
+      </p:par>
+    </p:tnLst>
+  </p:timing>
+</p:sld>
+</file>
+
+<file path=ppt/slides/slide9.xml><?xml version="1.0" encoding="utf-8"?>
+<p:sld xmlns:a="http://schemas.openxmlformats.org/drawingml/2006/main" xmlns:r="http://schemas.openxmlformats.org/officeDocument/2006/relationships" xmlns:p="http://schemas.openxmlformats.org/presentationml/2006/main">
+  <p:cSld>
+    <p:spTree>
+      <p:nvGrpSpPr>
+        <p:cNvPr id="1" name=""/>
+        <p:cNvGrpSpPr/>
+        <p:nvPr/>
+      </p:nvGrpSpPr>
+      <p:grpSpPr>
+        <a:xfrm>
+          <a:off x="0" y="0"/>
+          <a:ext cx="0" cy="0"/>
+          <a:chOff x="0" y="0"/>
+          <a:chExt cx="0" cy="0"/>
+        </a:xfrm>
+      </p:grpSpPr>
+      <p:sp>
+        <p:nvSpPr>
+          <p:cNvPr id="2" name="Заголовок 1"/>
+          <p:cNvSpPr>
+            <a:spLocks noGrp="1"/>
+          </p:cNvSpPr>
+          <p:nvPr>
+            <p:ph type="title"/>
+          </p:nvPr>
+        </p:nvSpPr>
+        <p:spPr/>
+        <p:txBody>
+          <a:bodyPr/>
+          <a:lstStyle/>
+          <a:p>
+            <a:r>
+              <a:rPr lang="ru-RU" dirty="0" smtClean="0"/>
+              <a:t>Как это работает</a:t>
+            </a:r>
+            <a:endParaRPr lang="ru-RU" dirty="0"/>
+          </a:p>
+        </p:txBody>
+      </p:sp>
+      <p:pic>
+        <p:nvPicPr>
+          <p:cNvPr id="2050" name="Picture 2"/>
+          <p:cNvPicPr>
+            <a:picLocks noGrp="1" noChangeAspect="1" noChangeArrowheads="1"/>
+          </p:cNvPicPr>
+          <p:nvPr>
+            <p:ph idx="1"/>
+          </p:nvPr>
+        </p:nvPicPr>
+        <p:blipFill>
+          <a:blip r:embed="rId2">
+            <a:extLst>
+              <a:ext uri="{28A0092B-C50C-407E-A947-70E740481C1C}">
+                <a14:useLocalDpi xmlns:a14="http://schemas.microsoft.com/office/drawing/2010/main" val="0"/>
+              </a:ext>
+            </a:extLst>
+          </a:blip>
+          <a:srcRect/>
+          <a:stretch>
+            <a:fillRect/>
+          </a:stretch>
+        </p:blipFill>
+        <p:spPr bwMode="auto">
+          <a:xfrm>
+            <a:off x="3275856" y="1700808"/>
+            <a:ext cx="6151172" cy="4525963"/>
+          </a:xfrm>
+          <a:prstGeom prst="rect">
+            <a:avLst/>
+          </a:prstGeom>
+          <a:noFill/>
+          <a:ln>
+            <a:noFill/>
+          </a:ln>
+          <a:effectLst/>
+          <a:extLst>
+            <a:ext uri="{909E8E84-426E-40DD-AFC4-6F175D3DCCD1}">
+              <a14:hiddenFill xmlns:a14="http://schemas.microsoft.com/office/drawing/2010/main">
+                <a:solidFill>
+                  <a:schemeClr val="accent1"/>
+                </a:solidFill>
+              </a14:hiddenFill>
+            </a:ext>
+            <a:ext uri="{91240B29-F687-4F45-9708-019B960494DF}">
+              <a14:hiddenLine xmlns:a14="http://schemas.microsoft.com/office/drawing/2010/main" w="9525">
+                <a:solidFill>
+                  <a:schemeClr val="tx1"/>
+                </a:solidFill>
+                <a:miter lim="800000"/>
+                <a:headEnd/>
+                <a:tailEnd/>
+              </a14:hiddenLine>
+            </a:ext>
+            <a:ext uri="{AF507438-7753-43E0-B8FC-AC1667EBCBE1}">
+              <a14:hiddenEffects xmlns:a14="http://schemas.microsoft.com/office/drawing/2010/main">
+                <a:effectLst>
+                  <a:outerShdw dist="35921" dir="2700000" algn="ctr" rotWithShape="0">
+                    <a:schemeClr val="bg2"/>
+                  </a:outerShdw>
+                </a:effectLst>
+              </a14:hiddenEffects>
+            </a:ext>
+          </a:extLst>
+        </p:spPr>
+      </p:pic>
+      <p:pic>
+        <p:nvPicPr>
+          <p:cNvPr id="2051" name="Picture 3"/>
+          <p:cNvPicPr>
+            <a:picLocks noChangeAspect="1" noChangeArrowheads="1"/>
+          </p:cNvPicPr>
+          <p:nvPr/>
+        </p:nvPicPr>
+        <p:blipFill>
+          <a:blip r:embed="rId3">
+            <a:extLst>
+              <a:ext uri="{28A0092B-C50C-407E-A947-70E740481C1C}">
+                <a14:useLocalDpi xmlns:a14="http://schemas.microsoft.com/office/drawing/2010/main" val="0"/>
+              </a:ext>
+            </a:extLst>
+          </a:blip>
+          <a:srcRect/>
+          <a:stretch>
+            <a:fillRect/>
+          </a:stretch>
+        </p:blipFill>
+        <p:spPr bwMode="auto">
+          <a:xfrm>
+            <a:off x="0" y="1648223"/>
+            <a:ext cx="3255669" cy="4733105"/>
+          </a:xfrm>
+          <a:prstGeom prst="rect">
+            <a:avLst/>
+          </a:prstGeom>
+          <a:noFill/>
+          <a:ln>
+            <a:noFill/>
+          </a:ln>
+          <a:effectLst/>
+          <a:extLst>
+            <a:ext uri="{909E8E84-426E-40DD-AFC4-6F175D3DCCD1}">
+              <a14:hiddenFill xmlns:a14="http://schemas.microsoft.com/office/drawing/2010/main">
+                <a:solidFill>
+                  <a:schemeClr val="accent1"/>
+                </a:solidFill>
+              </a14:hiddenFill>
+            </a:ext>
+            <a:ext uri="{91240B29-F687-4F45-9708-019B960494DF}">
+              <a14:hiddenLine xmlns:a14="http://schemas.microsoft.com/office/drawing/2010/main" w="9525">
+                <a:solidFill>
+                  <a:schemeClr val="tx1"/>
+                </a:solidFill>
+                <a:miter lim="800000"/>
+                <a:headEnd/>
+                <a:tailEnd/>
+              </a14:hiddenLine>
+            </a:ext>
+            <a:ext uri="{AF507438-7753-43E0-B8FC-AC1667EBCBE1}">
+              <a14:hiddenEffects xmlns:a14="http://schemas.microsoft.com/office/drawing/2010/main">
+                <a:effectLst>
+                  <a:outerShdw dist="35921" dir="2700000" algn="ctr" rotWithShape="0">
+                    <a:schemeClr val="bg2"/>
+                  </a:outerShdw>
+                </a:effectLst>
+              </a14:hiddenEffects>
+            </a:ext>
+          </a:extLst>
+        </p:spPr>
+      </p:pic>
+    </p:spTree>
+    <p:extLst>
+      <p:ext uri="{BB962C8B-B14F-4D97-AF65-F5344CB8AC3E}">
+        <p14:creationId xmlns:p14="http://schemas.microsoft.com/office/powerpoint/2010/main" val="4125181579"/>
       </p:ext>
     </p:extLst>
   </p:cSld>
